--- a/孟庆凡-自我介绍.pptx
+++ b/孟庆凡-自我介绍.pptx
@@ -4701,7 +4701,7 @@
         </p:nvSpPr>
         <p:spPr>
           <a:xfrm>
-            <a:off x="9162202" y="3946138"/>
+            <a:off x="9021570" y="3992697"/>
             <a:ext cx="3295650" cy="2403863"/>
           </a:xfrm>
           <a:prstGeom prst="rect">
@@ -5648,7 +5648,7 @@
         </p:nvSpPr>
         <p:spPr>
           <a:xfrm>
-            <a:off x="5903448" y="668378"/>
+            <a:off x="4845199" y="613814"/>
             <a:ext cx="2763674" cy="450492"/>
           </a:xfrm>
           <a:prstGeom prst="rect">
@@ -5849,7 +5849,35 @@
                 <a:cs typeface="+mn-ea"/>
                 <a:sym typeface="Arial" panose="020B0604020202020204" pitchFamily="34" charset="0"/>
               </a:rPr>
-              <a:t>国美线下零售收银台</a:t>
+              <a:t>国美</a:t>
+            </a:r>
+            <a:r>
+              <a:rPr lang="zh-CN" altLang="en-US" sz="2000" b="1" dirty="0">
+                <a:solidFill>
+                  <a:schemeClr val="accent6">
+                    <a:lumMod val="75000"/>
+                  </a:schemeClr>
+                </a:solidFill>
+                <a:latin typeface="Arial" panose="020B0604020202020204" pitchFamily="34" charset="0"/>
+                <a:ea typeface="微软雅黑" panose="020B0503020204020204" pitchFamily="34" charset="-122"/>
+                <a:cs typeface="+mn-ea"/>
+                <a:sym typeface="Arial" panose="020B0604020202020204" pitchFamily="34" charset="0"/>
+              </a:rPr>
+              <a:t>线上</a:t>
+            </a:r>
+            <a:r>
+              <a:rPr lang="zh-CN" altLang="en-AU" sz="2000" b="1" dirty="0">
+                <a:solidFill>
+                  <a:schemeClr val="accent6">
+                    <a:lumMod val="75000"/>
+                  </a:schemeClr>
+                </a:solidFill>
+                <a:latin typeface="Arial" panose="020B0604020202020204" pitchFamily="34" charset="0"/>
+                <a:ea typeface="微软雅黑" panose="020B0503020204020204" pitchFamily="34" charset="-122"/>
+                <a:cs typeface="+mn-ea"/>
+                <a:sym typeface="Arial" panose="020B0604020202020204" pitchFamily="34" charset="0"/>
+              </a:rPr>
+              <a:t>收银台</a:t>
             </a:r>
           </a:p>
         </p:txBody>
@@ -6022,7 +6050,7 @@
         </p:blipFill>
         <p:spPr bwMode="auto">
           <a:xfrm>
-            <a:off x="1347168" y="1402429"/>
+            <a:off x="1154525" y="1261992"/>
             <a:ext cx="10953341" cy="5634885"/>
           </a:xfrm>
           <a:prstGeom prst="rect">

--- a/孟庆凡-自我介绍.pptx
+++ b/孟庆凡-自我介绍.pptx
@@ -270,7 +270,7 @@
           <a:p>
             <a:fld id="{E9630DBF-D010-4114-9DE3-41E342A27C18}" type="datetimeFigureOut">
               <a:rPr lang="zh-CN" altLang="en-US" smtClean="0"/>
-              <a:t>2018/12/24</a:t>
+              <a:t>2019/2/11</a:t>
             </a:fld>
             <a:endParaRPr lang="zh-CN" altLang="en-US"/>
           </a:p>
@@ -436,7 +436,7 @@
             </a:pPr>
             <a:fld id="{06024D97-E667-405D-B634-E583E2108D71}" type="datetimeFigureOut">
               <a:rPr lang="zh-CN" altLang="en-US"/>
-              <a:t>2018/12/24</a:t>
+              <a:t>2019/2/11</a:t>
             </a:fld>
             <a:endParaRPr lang="zh-CN" altLang="en-US"/>
           </a:p>
@@ -1324,7 +1324,7 @@
           <a:p>
             <a:fld id="{32BF82D2-7A68-459D-A996-9BDDA2518FA4}" type="datetimeFigureOut">
               <a:rPr lang="zh-CN" altLang="en-US" smtClean="0"/>
-              <a:t>2018/12/24</a:t>
+              <a:t>2019/2/11</a:t>
             </a:fld>
             <a:endParaRPr lang="zh-CN" altLang="en-US"/>
           </a:p>
@@ -1635,7 +1635,7 @@
           <a:p>
             <a:fld id="{32BF82D2-7A68-459D-A996-9BDDA2518FA4}" type="datetimeFigureOut">
               <a:rPr lang="zh-CN" altLang="en-US" smtClean="0"/>
-              <a:t>2018/12/24</a:t>
+              <a:t>2019/2/11</a:t>
             </a:fld>
             <a:endParaRPr lang="zh-CN" altLang="en-US"/>
           </a:p>
@@ -4191,7 +4191,7 @@
         <p:spPr>
           <a:xfrm>
             <a:off x="586857" y="3992697"/>
-            <a:ext cx="2520281" cy="2079737"/>
+            <a:ext cx="3394246" cy="2079737"/>
           </a:xfrm>
           <a:prstGeom prst="rect">
             <a:avLst/>
@@ -4219,6 +4219,39 @@
                 <a:sym typeface="Arial" panose="020B0604020202020204" pitchFamily="34" charset="0"/>
               </a:rPr>
               <a:t>易宝支付有限公司</a:t>
+            </a:r>
+            <a:r>
+              <a:rPr lang="zh-CN" altLang="en-US" sz="1000" b="1" dirty="0">
+                <a:solidFill>
+                  <a:schemeClr val="bg1"/>
+                </a:solidFill>
+                <a:latin typeface="Arial" panose="020B0604020202020204" pitchFamily="34" charset="0"/>
+                <a:ea typeface="微软雅黑" panose="020B0503020204020204" pitchFamily="34" charset="-122"/>
+                <a:sym typeface="Arial" panose="020B0604020202020204" pitchFamily="34" charset="0"/>
+              </a:rPr>
+              <a:t>（</a:t>
+            </a:r>
+            <a:r>
+              <a:rPr lang="en-US" altLang="zh-CN" sz="1000" b="1" dirty="0">
+                <a:solidFill>
+                  <a:schemeClr val="bg1"/>
+                </a:solidFill>
+                <a:latin typeface="Arial" panose="020B0604020202020204" pitchFamily="34" charset="0"/>
+                <a:ea typeface="微软雅黑" panose="020B0503020204020204" pitchFamily="34" charset="-122"/>
+                <a:sym typeface="Arial" panose="020B0604020202020204" pitchFamily="34" charset="0"/>
+              </a:rPr>
+              <a:t>2014-2015</a:t>
+            </a:r>
+            <a:r>
+              <a:rPr lang="zh-CN" altLang="en-US" sz="1000" b="1" dirty="0">
+                <a:solidFill>
+                  <a:schemeClr val="bg1"/>
+                </a:solidFill>
+                <a:latin typeface="Arial" panose="020B0604020202020204" pitchFamily="34" charset="0"/>
+                <a:ea typeface="微软雅黑" panose="020B0503020204020204" pitchFamily="34" charset="-122"/>
+                <a:sym typeface="Arial" panose="020B0604020202020204" pitchFamily="34" charset="0"/>
+              </a:rPr>
+              <a:t>）</a:t>
             </a:r>
             <a:r>
               <a:rPr lang="zh-CN" altLang="en-US" sz="2200" dirty="0">
@@ -4456,8 +4489,8 @@
         </p:nvSpPr>
         <p:spPr>
           <a:xfrm>
-            <a:off x="4956858" y="1629432"/>
-            <a:ext cx="2971230" cy="2493503"/>
+            <a:off x="4629175" y="1629432"/>
+            <a:ext cx="3698605" cy="2493503"/>
           </a:xfrm>
           <a:prstGeom prst="rect">
             <a:avLst/>
@@ -4485,6 +4518,39 @@
                 <a:sym typeface="Arial" panose="020B0604020202020204" pitchFamily="34" charset="0"/>
               </a:rPr>
               <a:t>玖富联银科技有限公司</a:t>
+            </a:r>
+            <a:r>
+              <a:rPr lang="zh-CN" altLang="en-US" sz="1000" b="1" dirty="0">
+                <a:solidFill>
+                  <a:schemeClr val="bg1"/>
+                </a:solidFill>
+                <a:latin typeface="Arial" panose="020B0604020202020204" pitchFamily="34" charset="0"/>
+                <a:ea typeface="微软雅黑" panose="020B0503020204020204" pitchFamily="34" charset="-122"/>
+                <a:sym typeface="Arial" panose="020B0604020202020204" pitchFamily="34" charset="0"/>
+              </a:rPr>
+              <a:t>（</a:t>
+            </a:r>
+            <a:r>
+              <a:rPr lang="en-US" altLang="zh-CN" sz="1000" b="1" dirty="0">
+                <a:solidFill>
+                  <a:schemeClr val="bg1"/>
+                </a:solidFill>
+                <a:latin typeface="Arial" panose="020B0604020202020204" pitchFamily="34" charset="0"/>
+                <a:ea typeface="微软雅黑" panose="020B0503020204020204" pitchFamily="34" charset="-122"/>
+                <a:sym typeface="Arial" panose="020B0604020202020204" pitchFamily="34" charset="0"/>
+              </a:rPr>
+              <a:t>2015-2016</a:t>
+            </a:r>
+            <a:r>
+              <a:rPr lang="zh-CN" altLang="en-US" sz="1000" b="1" dirty="0">
+                <a:solidFill>
+                  <a:schemeClr val="bg1"/>
+                </a:solidFill>
+                <a:latin typeface="Arial" panose="020B0604020202020204" pitchFamily="34" charset="0"/>
+                <a:ea typeface="微软雅黑" panose="020B0503020204020204" pitchFamily="34" charset="-122"/>
+                <a:sym typeface="Arial" panose="020B0604020202020204" pitchFamily="34" charset="0"/>
+              </a:rPr>
+              <a:t>）</a:t>
             </a:r>
           </a:p>
           <a:p>
@@ -4701,8 +4767,8 @@
         </p:nvSpPr>
         <p:spPr>
           <a:xfrm>
-            <a:off x="9021570" y="3992697"/>
-            <a:ext cx="3295650" cy="2403863"/>
+            <a:off x="8805639" y="3992697"/>
+            <a:ext cx="3744416" cy="2403863"/>
           </a:xfrm>
           <a:prstGeom prst="rect">
             <a:avLst/>
@@ -4730,7 +4796,40 @@
               </a:rPr>
               <a:t>国美金控投资有限公司</a:t>
             </a:r>
-            <a:endParaRPr lang="en-US" altLang="zh-CN" sz="2200" b="1" dirty="0">
+            <a:r>
+              <a:rPr lang="zh-CN" altLang="en-US" sz="1000" b="1" dirty="0">
+                <a:solidFill>
+                  <a:schemeClr val="bg1"/>
+                </a:solidFill>
+                <a:latin typeface="Arial" panose="020B0604020202020204" pitchFamily="34" charset="0"/>
+                <a:ea typeface="微软雅黑" panose="020B0503020204020204" pitchFamily="34" charset="-122"/>
+                <a:sym typeface="Arial" panose="020B0604020202020204" pitchFamily="34" charset="0"/>
+              </a:rPr>
+              <a:t>（</a:t>
+            </a:r>
+            <a:r>
+              <a:rPr lang="en-US" altLang="zh-CN" sz="1000" b="1" dirty="0">
+                <a:solidFill>
+                  <a:schemeClr val="bg1"/>
+                </a:solidFill>
+                <a:latin typeface="Arial" panose="020B0604020202020204" pitchFamily="34" charset="0"/>
+                <a:ea typeface="微软雅黑" panose="020B0503020204020204" pitchFamily="34" charset="-122"/>
+                <a:sym typeface="Arial" panose="020B0604020202020204" pitchFamily="34" charset="0"/>
+              </a:rPr>
+              <a:t>2016-2018</a:t>
+            </a:r>
+            <a:r>
+              <a:rPr lang="zh-CN" altLang="en-US" sz="1000" b="1" dirty="0">
+                <a:solidFill>
+                  <a:schemeClr val="bg1"/>
+                </a:solidFill>
+                <a:latin typeface="Arial" panose="020B0604020202020204" pitchFamily="34" charset="0"/>
+                <a:ea typeface="微软雅黑" panose="020B0503020204020204" pitchFamily="34" charset="-122"/>
+                <a:sym typeface="Arial" panose="020B0604020202020204" pitchFamily="34" charset="0"/>
+              </a:rPr>
+              <a:t>）</a:t>
+            </a:r>
+            <a:endParaRPr lang="en-US" altLang="zh-CN" sz="1000" b="1" dirty="0">
               <a:solidFill>
                 <a:schemeClr val="bg1"/>
               </a:solidFill>
